--- a/assets/sources-of-errors.pptx
+++ b/assets/sources-of-errors.pptx
@@ -104,6 +104,11 @@
       </a:defRPr>
     </a:lvl9pPr>
   </p:defaultTextStyle>
+  <p:extLst>
+    <p:ext uri="{EFAFB233-063F-42B5-8137-9DF3F51BA10A}">
+      <p15:sldGuideLst xmlns:p15="http://schemas.microsoft.com/office/powerpoint/2012/main"/>
+    </p:ext>
+  </p:extLst>
 </p:presentation>
 </file>
 
@@ -256,7 +261,7 @@
           <a:p>
             <a:fld id="{1FA7994C-EA88-46DB-A2BE-CB0A1CF5014C}" type="datetimeFigureOut">
               <a:rPr lang="en-CA" smtClean="0"/>
-              <a:t>2024-05-13</a:t>
+              <a:t>2024-05-15</a:t>
             </a:fld>
             <a:endParaRPr lang="en-CA"/>
           </a:p>
@@ -456,7 +461,7 @@
           <a:p>
             <a:fld id="{1FA7994C-EA88-46DB-A2BE-CB0A1CF5014C}" type="datetimeFigureOut">
               <a:rPr lang="en-CA" smtClean="0"/>
-              <a:t>2024-05-13</a:t>
+              <a:t>2024-05-15</a:t>
             </a:fld>
             <a:endParaRPr lang="en-CA"/>
           </a:p>
@@ -666,7 +671,7 @@
           <a:p>
             <a:fld id="{1FA7994C-EA88-46DB-A2BE-CB0A1CF5014C}" type="datetimeFigureOut">
               <a:rPr lang="en-CA" smtClean="0"/>
-              <a:t>2024-05-13</a:t>
+              <a:t>2024-05-15</a:t>
             </a:fld>
             <a:endParaRPr lang="en-CA"/>
           </a:p>
@@ -866,7 +871,7 @@
           <a:p>
             <a:fld id="{1FA7994C-EA88-46DB-A2BE-CB0A1CF5014C}" type="datetimeFigureOut">
               <a:rPr lang="en-CA" smtClean="0"/>
-              <a:t>2024-05-13</a:t>
+              <a:t>2024-05-15</a:t>
             </a:fld>
             <a:endParaRPr lang="en-CA"/>
           </a:p>
@@ -1142,7 +1147,7 @@
           <a:p>
             <a:fld id="{1FA7994C-EA88-46DB-A2BE-CB0A1CF5014C}" type="datetimeFigureOut">
               <a:rPr lang="en-CA" smtClean="0"/>
-              <a:t>2024-05-13</a:t>
+              <a:t>2024-05-15</a:t>
             </a:fld>
             <a:endParaRPr lang="en-CA"/>
           </a:p>
@@ -1410,7 +1415,7 @@
           <a:p>
             <a:fld id="{1FA7994C-EA88-46DB-A2BE-CB0A1CF5014C}" type="datetimeFigureOut">
               <a:rPr lang="en-CA" smtClean="0"/>
-              <a:t>2024-05-13</a:t>
+              <a:t>2024-05-15</a:t>
             </a:fld>
             <a:endParaRPr lang="en-CA"/>
           </a:p>
@@ -1825,7 +1830,7 @@
           <a:p>
             <a:fld id="{1FA7994C-EA88-46DB-A2BE-CB0A1CF5014C}" type="datetimeFigureOut">
               <a:rPr lang="en-CA" smtClean="0"/>
-              <a:t>2024-05-13</a:t>
+              <a:t>2024-05-15</a:t>
             </a:fld>
             <a:endParaRPr lang="en-CA"/>
           </a:p>
@@ -1967,7 +1972,7 @@
           <a:p>
             <a:fld id="{1FA7994C-EA88-46DB-A2BE-CB0A1CF5014C}" type="datetimeFigureOut">
               <a:rPr lang="en-CA" smtClean="0"/>
-              <a:t>2024-05-13</a:t>
+              <a:t>2024-05-15</a:t>
             </a:fld>
             <a:endParaRPr lang="en-CA"/>
           </a:p>
@@ -2080,7 +2085,7 @@
           <a:p>
             <a:fld id="{1FA7994C-EA88-46DB-A2BE-CB0A1CF5014C}" type="datetimeFigureOut">
               <a:rPr lang="en-CA" smtClean="0"/>
-              <a:t>2024-05-13</a:t>
+              <a:t>2024-05-15</a:t>
             </a:fld>
             <a:endParaRPr lang="en-CA"/>
           </a:p>
@@ -2393,7 +2398,7 @@
           <a:p>
             <a:fld id="{1FA7994C-EA88-46DB-A2BE-CB0A1CF5014C}" type="datetimeFigureOut">
               <a:rPr lang="en-CA" smtClean="0"/>
-              <a:t>2024-05-13</a:t>
+              <a:t>2024-05-15</a:t>
             </a:fld>
             <a:endParaRPr lang="en-CA"/>
           </a:p>
@@ -2682,7 +2687,7 @@
           <a:p>
             <a:fld id="{1FA7994C-EA88-46DB-A2BE-CB0A1CF5014C}" type="datetimeFigureOut">
               <a:rPr lang="en-CA" smtClean="0"/>
-              <a:t>2024-05-13</a:t>
+              <a:t>2024-05-15</a:t>
             </a:fld>
             <a:endParaRPr lang="en-CA"/>
           </a:p>
@@ -2925,7 +2930,7 @@
           <a:p>
             <a:fld id="{1FA7994C-EA88-46DB-A2BE-CB0A1CF5014C}" type="datetimeFigureOut">
               <a:rPr lang="en-CA" smtClean="0"/>
-              <a:t>2024-05-13</a:t>
+              <a:t>2024-05-15</a:t>
             </a:fld>
             <a:endParaRPr lang="en-CA"/>
           </a:p>
@@ -3362,6 +3367,7 @@
           <a:prstGeom prst="rect">
             <a:avLst/>
           </a:prstGeom>
+          <a:ln w="34925"/>
         </p:spPr>
         <p:style>
           <a:lnRef idx="2">
@@ -3383,7 +3389,7 @@
           <a:p>
             <a:pPr algn="ctr"/>
             <a:r>
-              <a:rPr lang="en-US" dirty="0"/>
+              <a:rPr lang="en-US" sz="2000" dirty="0"/>
               <a:t>Operating systems (versions)</a:t>
             </a:r>
           </a:p>
@@ -3409,6 +3415,7 @@
           <a:prstGeom prst="rect">
             <a:avLst/>
           </a:prstGeom>
+          <a:ln w="34925"/>
         </p:spPr>
         <p:style>
           <a:lnRef idx="2">
@@ -3430,7 +3437,7 @@
           <a:p>
             <a:pPr algn="ctr"/>
             <a:r>
-              <a:rPr lang="en-US" dirty="0"/>
+              <a:rPr lang="en-US" sz="2000" dirty="0"/>
               <a:t>Python versions</a:t>
             </a:r>
           </a:p>
@@ -3456,6 +3463,7 @@
           <a:prstGeom prst="rect">
             <a:avLst/>
           </a:prstGeom>
+          <a:ln w="34925"/>
         </p:spPr>
         <p:style>
           <a:lnRef idx="2">
@@ -3477,7 +3485,7 @@
           <a:p>
             <a:pPr algn="ctr"/>
             <a:r>
-              <a:rPr lang="en-US" dirty="0"/>
+              <a:rPr lang="en-US" sz="2000" dirty="0"/>
               <a:t>CoLRev versions</a:t>
             </a:r>
           </a:p>
@@ -3503,6 +3511,7 @@
           <a:prstGeom prst="rect">
             <a:avLst/>
           </a:prstGeom>
+          <a:ln w="34925"/>
         </p:spPr>
         <p:style>
           <a:lnRef idx="2">
@@ -3524,7 +3533,7 @@
           <a:p>
             <a:pPr algn="ctr"/>
             <a:r>
-              <a:rPr lang="en-US" dirty="0"/>
+              <a:rPr lang="en-US" sz="2000" dirty="0"/>
               <a:t>Dependencies (versions)</a:t>
             </a:r>
           </a:p>
@@ -3550,6 +3559,7 @@
           <a:prstGeom prst="rect">
             <a:avLst/>
           </a:prstGeom>
+          <a:ln w="34925"/>
         </p:spPr>
         <p:style>
           <a:lnRef idx="2">
@@ -3571,7 +3581,7 @@
           <a:p>
             <a:pPr algn="ctr"/>
             <a:r>
-              <a:rPr lang="en-US" dirty="0"/>
+              <a:rPr lang="en-US" sz="2000" dirty="0"/>
               <a:t>Package managers (pip vs poetry)</a:t>
             </a:r>
           </a:p>
@@ -3597,6 +3607,7 @@
           <a:prstGeom prst="ellipse">
             <a:avLst/>
           </a:prstGeom>
+          <a:ln w="34925"/>
         </p:spPr>
         <p:style>
           <a:lnRef idx="2">
@@ -3619,7 +3630,7 @@
           <a:lstStyle/>
           <a:p>
             <a:pPr algn="ctr"/>
-            <a:endParaRPr lang="en-CA"/>
+            <a:endParaRPr lang="en-CA" sz="2000"/>
           </a:p>
         </p:txBody>
       </p:sp>
@@ -3647,6 +3658,7 @@
           <a:prstGeom prst="line">
             <a:avLst/>
           </a:prstGeom>
+          <a:ln w="34925"/>
         </p:spPr>
         <p:style>
           <a:lnRef idx="1">
@@ -3687,6 +3699,7 @@
           <a:prstGeom prst="line">
             <a:avLst/>
           </a:prstGeom>
+          <a:ln w="34925"/>
         </p:spPr>
         <p:style>
           <a:lnRef idx="1">
@@ -3727,6 +3740,7 @@
           <a:prstGeom prst="line">
             <a:avLst/>
           </a:prstGeom>
+          <a:ln w="34925"/>
         </p:spPr>
         <p:style>
           <a:lnRef idx="1">
@@ -3767,6 +3781,7 @@
           <a:prstGeom prst="line">
             <a:avLst/>
           </a:prstGeom>
+          <a:ln w="34925"/>
         </p:spPr>
         <p:style>
           <a:lnRef idx="1">
@@ -3807,6 +3822,7 @@
           <a:prstGeom prst="line">
             <a:avLst/>
           </a:prstGeom>
+          <a:ln w="34925"/>
         </p:spPr>
         <p:style>
           <a:lnRef idx="1">
